--- a/Sammy Code Tests/Deliverables/July 20th Tracking BPF_ADD.pptx
+++ b/Sammy Code Tests/Deliverables/July 20th Tracking BPF_ADD.pptx
@@ -13,6 +13,7 @@
     <p:sldId id="261" r:id="rId7"/>
     <p:sldId id="262" r:id="rId8"/>
     <p:sldId id="263" r:id="rId9"/>
+    <p:sldId id="264" r:id="rId10"/>
   </p:sldIdLst>
   <p:sldSz cx="12192000" cy="6858000"/>
   <p:notesSz cx="6858000" cy="9144000"/>
@@ -111,6 +112,11 @@
       </a:defRPr>
     </a:lvl9pPr>
   </p:defaultTextStyle>
+  <p:extLst>
+    <p:ext uri="{EFAFB233-063F-42B5-8137-9DF3F51BA10A}">
+      <p15:sldGuideLst xmlns:p15="http://schemas.microsoft.com/office/powerpoint/2012/main"/>
+    </p:ext>
+  </p:extLst>
 </p:presentation>
 </file>
 
@@ -300,7 +306,7 @@
           <a:p>
             <a:fld id="{DCD5D06E-B20D-4E85-A5B9-51A34C42034D}" type="datetimeFigureOut">
               <a:rPr lang="en-US" smtClean="0"/>
-              <a:t>7/19/2020</a:t>
+              <a:t>7/20/2020</a:t>
             </a:fld>
             <a:endParaRPr lang="en-US"/>
           </a:p>
@@ -575,7 +581,7 @@
           <a:p>
             <a:fld id="{DCD5D06E-B20D-4E85-A5B9-51A34C42034D}" type="datetimeFigureOut">
               <a:rPr lang="en-US" smtClean="0"/>
-              <a:t>7/19/2020</a:t>
+              <a:t>7/20/2020</a:t>
             </a:fld>
             <a:endParaRPr lang="en-US"/>
           </a:p>
@@ -769,7 +775,7 @@
           <a:p>
             <a:fld id="{DCD5D06E-B20D-4E85-A5B9-51A34C42034D}" type="datetimeFigureOut">
               <a:rPr lang="en-US" smtClean="0"/>
-              <a:t>7/19/2020</a:t>
+              <a:t>7/20/2020</a:t>
             </a:fld>
             <a:endParaRPr lang="en-US"/>
           </a:p>
@@ -1042,7 +1048,7 @@
           <a:p>
             <a:fld id="{DCD5D06E-B20D-4E85-A5B9-51A34C42034D}" type="datetimeFigureOut">
               <a:rPr lang="en-US" smtClean="0"/>
-              <a:t>7/19/2020</a:t>
+              <a:t>7/20/2020</a:t>
             </a:fld>
             <a:endParaRPr lang="en-US"/>
           </a:p>
@@ -1383,7 +1389,7 @@
           <a:p>
             <a:fld id="{DCD5D06E-B20D-4E85-A5B9-51A34C42034D}" type="datetimeFigureOut">
               <a:rPr lang="en-US" smtClean="0"/>
-              <a:t>7/19/2020</a:t>
+              <a:t>7/20/2020</a:t>
             </a:fld>
             <a:endParaRPr lang="en-US"/>
           </a:p>
@@ -2006,7 +2012,7 @@
           <a:p>
             <a:fld id="{DCD5D06E-B20D-4E85-A5B9-51A34C42034D}" type="datetimeFigureOut">
               <a:rPr lang="en-US" smtClean="0"/>
-              <a:t>7/19/2020</a:t>
+              <a:t>7/20/2020</a:t>
             </a:fld>
             <a:endParaRPr lang="en-US"/>
           </a:p>
@@ -2866,7 +2872,7 @@
           <a:p>
             <a:fld id="{DCD5D06E-B20D-4E85-A5B9-51A34C42034D}" type="datetimeFigureOut">
               <a:rPr lang="en-US" smtClean="0"/>
-              <a:t>7/19/2020</a:t>
+              <a:t>7/20/2020</a:t>
             </a:fld>
             <a:endParaRPr lang="en-US"/>
           </a:p>
@@ -3036,7 +3042,7 @@
           <a:p>
             <a:fld id="{DCD5D06E-B20D-4E85-A5B9-51A34C42034D}" type="datetimeFigureOut">
               <a:rPr lang="en-US" smtClean="0"/>
-              <a:t>7/19/2020</a:t>
+              <a:t>7/20/2020</a:t>
             </a:fld>
             <a:endParaRPr lang="en-US"/>
           </a:p>
@@ -3216,7 +3222,7 @@
           <a:p>
             <a:fld id="{DCD5D06E-B20D-4E85-A5B9-51A34C42034D}" type="datetimeFigureOut">
               <a:rPr lang="en-US" smtClean="0"/>
-              <a:t>7/19/2020</a:t>
+              <a:t>7/20/2020</a:t>
             </a:fld>
             <a:endParaRPr lang="en-US"/>
           </a:p>
@@ -3386,7 +3392,7 @@
           <a:p>
             <a:fld id="{DCD5D06E-B20D-4E85-A5B9-51A34C42034D}" type="datetimeFigureOut">
               <a:rPr lang="en-US" smtClean="0"/>
-              <a:t>7/19/2020</a:t>
+              <a:t>7/20/2020</a:t>
             </a:fld>
             <a:endParaRPr lang="en-US"/>
           </a:p>
@@ -3633,7 +3639,7 @@
           <a:p>
             <a:fld id="{DCD5D06E-B20D-4E85-A5B9-51A34C42034D}" type="datetimeFigureOut">
               <a:rPr lang="en-US" smtClean="0"/>
-              <a:t>7/19/2020</a:t>
+              <a:t>7/20/2020</a:t>
             </a:fld>
             <a:endParaRPr lang="en-US"/>
           </a:p>
@@ -3925,7 +3931,7 @@
           <a:p>
             <a:fld id="{DCD5D06E-B20D-4E85-A5B9-51A34C42034D}" type="datetimeFigureOut">
               <a:rPr lang="en-US" smtClean="0"/>
-              <a:t>7/19/2020</a:t>
+              <a:t>7/20/2020</a:t>
             </a:fld>
             <a:endParaRPr lang="en-US"/>
           </a:p>
@@ -4369,7 +4375,7 @@
           <a:p>
             <a:fld id="{DCD5D06E-B20D-4E85-A5B9-51A34C42034D}" type="datetimeFigureOut">
               <a:rPr lang="en-US" smtClean="0"/>
-              <a:t>7/19/2020</a:t>
+              <a:t>7/20/2020</a:t>
             </a:fld>
             <a:endParaRPr lang="en-US"/>
           </a:p>
@@ -4487,7 +4493,7 @@
           <a:p>
             <a:fld id="{DCD5D06E-B20D-4E85-A5B9-51A34C42034D}" type="datetimeFigureOut">
               <a:rPr lang="en-US" smtClean="0"/>
-              <a:t>7/19/2020</a:t>
+              <a:t>7/20/2020</a:t>
             </a:fld>
             <a:endParaRPr lang="en-US"/>
           </a:p>
@@ -4582,7 +4588,7 @@
           <a:p>
             <a:fld id="{DCD5D06E-B20D-4E85-A5B9-51A34C42034D}" type="datetimeFigureOut">
               <a:rPr lang="en-US" smtClean="0"/>
-              <a:t>7/19/2020</a:t>
+              <a:t>7/20/2020</a:t>
             </a:fld>
             <a:endParaRPr lang="en-US"/>
           </a:p>
@@ -4861,7 +4867,7 @@
           <a:p>
             <a:fld id="{DCD5D06E-B20D-4E85-A5B9-51A34C42034D}" type="datetimeFigureOut">
               <a:rPr lang="en-US" smtClean="0"/>
-              <a:t>7/19/2020</a:t>
+              <a:t>7/20/2020</a:t>
             </a:fld>
             <a:endParaRPr lang="en-US"/>
           </a:p>
@@ -5136,7 +5142,7 @@
           <a:p>
             <a:fld id="{DCD5D06E-B20D-4E85-A5B9-51A34C42034D}" type="datetimeFigureOut">
               <a:rPr lang="en-US" smtClean="0"/>
-              <a:t>7/19/2020</a:t>
+              <a:t>7/20/2020</a:t>
             </a:fld>
             <a:endParaRPr lang="en-US"/>
           </a:p>
@@ -5565,7 +5571,7 @@
           <a:p>
             <a:fld id="{DCD5D06E-B20D-4E85-A5B9-51A34C42034D}" type="datetimeFigureOut">
               <a:rPr lang="en-US" smtClean="0"/>
-              <a:t>7/19/2020</a:t>
+              <a:t>7/20/2020</a:t>
             </a:fld>
             <a:endParaRPr lang="en-US"/>
           </a:p>
@@ -6792,7 +6798,7 @@
           <a:p>
             <a:r>
               <a:rPr lang="en-US" dirty="0"/>
-              <a:t>Is not very well-commented; code is somewhat obtuse and the goal is not clear.</a:t>
+              <a:t>The goal of the checks is more or less clear</a:t>
             </a:r>
           </a:p>
           <a:p>
@@ -6846,8 +6852,8 @@
         </p:blipFill>
         <p:spPr>
           <a:xfrm>
-            <a:off x="1853717" y="3429000"/>
-            <a:ext cx="7605695" cy="3287091"/>
+            <a:off x="1390883" y="3097226"/>
+            <a:ext cx="8373359" cy="3618866"/>
           </a:xfrm>
           <a:prstGeom prst="rect">
             <a:avLst/>
@@ -7115,10 +7121,60 @@
           <a:bodyPr/>
           <a:lstStyle/>
           <a:p>
-            <a:endParaRPr lang="en-US"/>
-          </a:p>
-        </p:txBody>
-      </p:sp>
+            <a:r>
+              <a:rPr lang="en-US" dirty="0"/>
+              <a:t>Handles arithmetic on a pointer and scalar for non-BPF_MOV ops</a:t>
+            </a:r>
+          </a:p>
+          <a:p>
+            <a:r>
+              <a:rPr lang="en-US" dirty="0"/>
+              <a:t>Doesn’t really delegate; handles most boundary updates manually</a:t>
+            </a:r>
+          </a:p>
+          <a:p>
+            <a:r>
+              <a:rPr lang="en-US" dirty="0"/>
+              <a:t>Handwaving </a:t>
+            </a:r>
+            <a:r>
+              <a:rPr lang="en-US" dirty="0" err="1"/>
+              <a:t>check_reg_sane_offset</a:t>
+            </a:r>
+            <a:endParaRPr lang="en-US" dirty="0"/>
+          </a:p>
+        </p:txBody>
+      </p:sp>
+      <p:pic>
+        <p:nvPicPr>
+          <p:cNvPr id="4" name="Picture 3">
+            <a:extLst>
+              <a:ext uri="{FF2B5EF4-FFF2-40B4-BE49-F238E27FC236}">
+                <a16:creationId xmlns:a16="http://schemas.microsoft.com/office/drawing/2014/main" id="{2566E5A3-89E0-4C8D-8153-DFA5CC79F9F1}"/>
+              </a:ext>
+            </a:extLst>
+          </p:cNvPr>
+          <p:cNvPicPr>
+            <a:picLocks noChangeAspect="1"/>
+          </p:cNvPicPr>
+          <p:nvPr/>
+        </p:nvPicPr>
+        <p:blipFill>
+          <a:blip r:embed="rId2"/>
+          <a:stretch>
+            <a:fillRect/>
+          </a:stretch>
+        </p:blipFill>
+        <p:spPr>
+          <a:xfrm>
+            <a:off x="1805755" y="3429000"/>
+            <a:ext cx="8244098" cy="3152155"/>
+          </a:xfrm>
+          <a:prstGeom prst="rect">
+            <a:avLst/>
+          </a:prstGeom>
+        </p:spPr>
+      </p:pic>
     </p:spTree>
     <p:extLst>
       <p:ext uri="{BB962C8B-B14F-4D97-AF65-F5344CB8AC3E}">
@@ -7209,15 +7265,67 @@
             <p:ph idx="1"/>
           </p:nvPr>
         </p:nvSpPr>
-        <p:spPr/>
+        <p:spPr>
+          <a:xfrm>
+            <a:off x="1103312" y="2052919"/>
+            <a:ext cx="8946541" cy="1642782"/>
+          </a:xfrm>
+        </p:spPr>
         <p:txBody>
           <a:bodyPr/>
           <a:lstStyle/>
           <a:p>
-            <a:endParaRPr lang="en-US"/>
-          </a:p>
-        </p:txBody>
-      </p:sp>
+            <a:r>
+              <a:rPr lang="en-US" dirty="0"/>
+              <a:t>Does additional checks on 32-bit instructions, but otherwise assumes 64-bit instructions</a:t>
+            </a:r>
+          </a:p>
+          <a:p>
+            <a:r>
+              <a:rPr lang="en-US" dirty="0"/>
+              <a:t>Important part of the code is a switch that delegates to the appropriate </a:t>
+            </a:r>
+            <a:r>
+              <a:rPr lang="en-US" dirty="0" err="1"/>
+              <a:t>scalar_min_max</a:t>
+            </a:r>
+            <a:r>
+              <a:rPr lang="en-US" dirty="0"/>
+              <a:t>_[op] function</a:t>
+            </a:r>
+          </a:p>
+        </p:txBody>
+      </p:sp>
+      <p:pic>
+        <p:nvPicPr>
+          <p:cNvPr id="4" name="Picture 3">
+            <a:extLst>
+              <a:ext uri="{FF2B5EF4-FFF2-40B4-BE49-F238E27FC236}">
+                <a16:creationId xmlns:a16="http://schemas.microsoft.com/office/drawing/2014/main" id="{84D7098D-7262-48A2-99D7-5BF24A0DF661}"/>
+              </a:ext>
+            </a:extLst>
+          </p:cNvPr>
+          <p:cNvPicPr>
+            <a:picLocks noChangeAspect="1"/>
+          </p:cNvPicPr>
+          <p:nvPr/>
+        </p:nvPicPr>
+        <p:blipFill>
+          <a:blip r:embed="rId2"/>
+          <a:stretch>
+            <a:fillRect/>
+          </a:stretch>
+        </p:blipFill>
+        <p:spPr>
+          <a:xfrm>
+            <a:off x="2495550" y="3592965"/>
+            <a:ext cx="6681716" cy="3151227"/>
+          </a:xfrm>
+          <a:prstGeom prst="rect">
+            <a:avLst/>
+          </a:prstGeom>
+        </p:spPr>
+      </p:pic>
     </p:spTree>
     <p:extLst>
       <p:ext uri="{BB962C8B-B14F-4D97-AF65-F5344CB8AC3E}">
@@ -7303,19 +7411,226 @@
             <p:ph idx="1"/>
           </p:nvPr>
         </p:nvSpPr>
-        <p:spPr/>
+        <p:spPr>
+          <a:xfrm>
+            <a:off x="1103312" y="2052918"/>
+            <a:ext cx="8946541" cy="1004607"/>
+          </a:xfrm>
+        </p:spPr>
         <p:txBody>
           <a:bodyPr/>
           <a:lstStyle/>
           <a:p>
-            <a:endParaRPr lang="en-US"/>
-          </a:p>
-        </p:txBody>
-      </p:sp>
+            <a:r>
+              <a:rPr lang="en-US" dirty="0"/>
+              <a:t>Basically the lowest level. No function calls.</a:t>
+            </a:r>
+          </a:p>
+          <a:p>
+            <a:r>
+              <a:rPr lang="en-US" dirty="0"/>
+              <a:t>Sets the register’s new signed and unsigned min/max values.</a:t>
+            </a:r>
+          </a:p>
+        </p:txBody>
+      </p:sp>
+      <p:pic>
+        <p:nvPicPr>
+          <p:cNvPr id="4" name="Picture 3">
+            <a:extLst>
+              <a:ext uri="{FF2B5EF4-FFF2-40B4-BE49-F238E27FC236}">
+                <a16:creationId xmlns:a16="http://schemas.microsoft.com/office/drawing/2014/main" id="{3BAA98FB-3C43-4968-82FB-B386AB28E090}"/>
+              </a:ext>
+            </a:extLst>
+          </p:cNvPr>
+          <p:cNvPicPr>
+            <a:picLocks noChangeAspect="1"/>
+          </p:cNvPicPr>
+          <p:nvPr/>
+        </p:nvPicPr>
+        <p:blipFill>
+          <a:blip r:embed="rId2"/>
+          <a:stretch>
+            <a:fillRect/>
+          </a:stretch>
+        </p:blipFill>
+        <p:spPr>
+          <a:xfrm>
+            <a:off x="2626547" y="2976281"/>
+            <a:ext cx="5814780" cy="3662643"/>
+          </a:xfrm>
+          <a:prstGeom prst="rect">
+            <a:avLst/>
+          </a:prstGeom>
+        </p:spPr>
+      </p:pic>
     </p:spTree>
     <p:extLst>
       <p:ext uri="{BB962C8B-B14F-4D97-AF65-F5344CB8AC3E}">
         <p14:creationId xmlns:p14="http://schemas.microsoft.com/office/powerpoint/2010/main" val="2913350086"/>
+      </p:ext>
+    </p:extLst>
+  </p:cSld>
+  <p:clrMapOvr>
+    <a:masterClrMapping/>
+  </p:clrMapOvr>
+</p:sld>
+</file>
+
+<file path=ppt/slides/slide9.xml><?xml version="1.0" encoding="utf-8"?>
+<p:sld xmlns:a="http://schemas.openxmlformats.org/drawingml/2006/main" xmlns:r="http://schemas.openxmlformats.org/officeDocument/2006/relationships" xmlns:p="http://schemas.openxmlformats.org/presentationml/2006/main">
+  <p:cSld>
+    <p:spTree>
+      <p:nvGrpSpPr>
+        <p:cNvPr id="1" name=""/>
+        <p:cNvGrpSpPr/>
+        <p:nvPr/>
+      </p:nvGrpSpPr>
+      <p:grpSpPr>
+        <a:xfrm>
+          <a:off x="0" y="0"/>
+          <a:ext cx="0" cy="0"/>
+          <a:chOff x="0" y="0"/>
+          <a:chExt cx="0" cy="0"/>
+        </a:xfrm>
+      </p:grpSpPr>
+      <p:sp>
+        <p:nvSpPr>
+          <p:cNvPr id="2" name="Title 1">
+            <a:extLst>
+              <a:ext uri="{FF2B5EF4-FFF2-40B4-BE49-F238E27FC236}">
+                <a16:creationId xmlns:a16="http://schemas.microsoft.com/office/drawing/2014/main" id="{C18F9BFC-792B-4212-A343-DCCDAE5D0FF0}"/>
+              </a:ext>
+            </a:extLst>
+          </p:cNvPr>
+          <p:cNvSpPr>
+            <a:spLocks noGrp="1"/>
+          </p:cNvSpPr>
+          <p:nvPr>
+            <p:ph type="title"/>
+          </p:nvPr>
+        </p:nvSpPr>
+        <p:spPr/>
+        <p:txBody>
+          <a:bodyPr/>
+          <a:lstStyle/>
+          <a:p>
+            <a:r>
+              <a:rPr lang="en-US" dirty="0"/>
+              <a:t>Other functions</a:t>
+            </a:r>
+          </a:p>
+        </p:txBody>
+      </p:sp>
+      <p:sp>
+        <p:nvSpPr>
+          <p:cNvPr id="3" name="Content Placeholder 2">
+            <a:extLst>
+              <a:ext uri="{FF2B5EF4-FFF2-40B4-BE49-F238E27FC236}">
+                <a16:creationId xmlns:a16="http://schemas.microsoft.com/office/drawing/2014/main" id="{6DA9CD5D-835A-480B-8BC5-1CBD2F174EF3}"/>
+              </a:ext>
+            </a:extLst>
+          </p:cNvPr>
+          <p:cNvSpPr>
+            <a:spLocks noGrp="1"/>
+          </p:cNvSpPr>
+          <p:nvPr>
+            <p:ph idx="1"/>
+          </p:nvPr>
+        </p:nvSpPr>
+        <p:spPr/>
+        <p:txBody>
+          <a:bodyPr/>
+          <a:lstStyle/>
+          <a:p>
+            <a:pPr marL="0" indent="0">
+              <a:buNone/>
+            </a:pPr>
+            <a:r>
+              <a:rPr lang="en-US" dirty="0"/>
+              <a:t>The following functions are also called in various methods like </a:t>
+            </a:r>
+            <a:r>
+              <a:rPr lang="en-US" dirty="0" err="1"/>
+              <a:t>adjust_scalar_min_max_vals</a:t>
+            </a:r>
+            <a:r>
+              <a:rPr lang="en-US" dirty="0"/>
+              <a:t> and </a:t>
+            </a:r>
+            <a:r>
+              <a:rPr lang="en-US" dirty="0" err="1"/>
+              <a:t>adjust_ptr_min_max_vals</a:t>
+            </a:r>
+            <a:endParaRPr lang="en-US" dirty="0"/>
+          </a:p>
+          <a:p>
+            <a:pPr marL="0" indent="0">
+              <a:buNone/>
+            </a:pPr>
+            <a:endParaRPr lang="en-US" dirty="0"/>
+          </a:p>
+          <a:p>
+            <a:pPr marL="0" indent="0">
+              <a:buNone/>
+            </a:pPr>
+            <a:r>
+              <a:rPr lang="en-US" dirty="0"/>
+              <a:t>zext_32_to_64 </a:t>
+            </a:r>
+            <a:r>
+              <a:rPr lang="en-US" i="1" dirty="0"/>
+              <a:t>(zero extend a 32 bit number to a 64 bit number)</a:t>
+            </a:r>
+          </a:p>
+          <a:p>
+            <a:pPr marL="0" indent="0">
+              <a:buNone/>
+            </a:pPr>
+            <a:r>
+              <a:rPr lang="en-US" dirty="0"/>
+              <a:t>__</a:t>
+            </a:r>
+            <a:r>
+              <a:rPr lang="en-US" dirty="0" err="1"/>
+              <a:t>update_reg_bounds</a:t>
+            </a:r>
+            <a:endParaRPr lang="en-US" dirty="0"/>
+          </a:p>
+          <a:p>
+            <a:pPr marL="0" indent="0">
+              <a:buNone/>
+            </a:pPr>
+            <a:r>
+              <a:rPr lang="en-US" dirty="0"/>
+              <a:t>__</a:t>
+            </a:r>
+            <a:r>
+              <a:rPr lang="en-US" dirty="0" err="1"/>
+              <a:t>reg_deduce_bounds</a:t>
+            </a:r>
+            <a:endParaRPr lang="en-US" dirty="0"/>
+          </a:p>
+          <a:p>
+            <a:pPr marL="0" indent="0">
+              <a:buNone/>
+            </a:pPr>
+            <a:r>
+              <a:rPr lang="en-US" dirty="0"/>
+              <a:t>__</a:t>
+            </a:r>
+            <a:r>
+              <a:rPr lang="en-US" dirty="0" err="1"/>
+              <a:t>reg_bound_offset</a:t>
+            </a:r>
+            <a:endParaRPr lang="en-US" dirty="0"/>
+          </a:p>
+        </p:txBody>
+      </p:sp>
+    </p:spTree>
+    <p:extLst>
+      <p:ext uri="{BB962C8B-B14F-4D97-AF65-F5344CB8AC3E}">
+        <p14:creationId xmlns:p14="http://schemas.microsoft.com/office/powerpoint/2010/main" val="1420113980"/>
       </p:ext>
     </p:extLst>
   </p:cSld>
